--- a/Poster/Tekst.pptx
+++ b/Poster/Tekst.pptx
@@ -3704,7 +3704,7 @@
         <p:spPr>
           <a:xfrm>
             <a:off x="6521624" y="2147366"/>
-            <a:ext cx="3384376" cy="5386090"/>
+            <a:ext cx="3384376" cy="6463308"/>
           </a:xfrm>
           <a:prstGeom prst="rect">
             <a:avLst/>
@@ -3757,7 +3757,7 @@
               <a:rPr lang="en-US" sz="1400" dirty="0" smtClean="0">
                 <a:latin typeface="Franklin Gothic Book" pitchFamily="34" charset="0"/>
               </a:rPr>
-              <a:t>Arranging the positions of all </a:t>
+              <a:t>Arranging the positions of inputted elements into corresponding domain structure</a:t>
             </a:r>
           </a:p>
           <a:p>
@@ -3769,7 +3769,105 @@
               <a:rPr lang="en-US" sz="1400" dirty="0" smtClean="0">
                 <a:latin typeface="Franklin Gothic Book" pitchFamily="34" charset="0"/>
               </a:rPr>
-              <a:t>New field</a:t>
+              <a:t>How:</a:t>
+            </a:r>
+            <a:endParaRPr lang="en-US" sz="1400" dirty="0">
+              <a:latin typeface="Franklin Gothic Book" pitchFamily="34" charset="0"/>
+            </a:endParaRPr>
+          </a:p>
+          <a:p>
+            <a:pPr marL="800100" lvl="1" indent="-342900">
+              <a:buFont typeface="+mj-lt"/>
+              <a:buAutoNum type="arabicPeriod"/>
+            </a:pPr>
+            <a:r>
+              <a:rPr lang="en-US" sz="1400" dirty="0" smtClean="0">
+                <a:latin typeface="Franklin Gothic Book" pitchFamily="34" charset="0"/>
+              </a:rPr>
+              <a:t>Every element is </a:t>
+            </a:r>
+            <a:r>
+              <a:rPr lang="en-US" sz="1400" smtClean="0">
+                <a:latin typeface="Franklin Gothic Book" pitchFamily="34" charset="0"/>
+              </a:rPr>
+              <a:t>associated with 1 </a:t>
+            </a:r>
+            <a:endParaRPr lang="en-US" sz="1400" dirty="0" smtClean="0">
+              <a:latin typeface="Franklin Gothic Book" pitchFamily="34" charset="0"/>
+            </a:endParaRPr>
+          </a:p>
+          <a:p>
+            <a:pPr marL="800100" lvl="1" indent="-342900">
+              <a:buFont typeface="+mj-lt"/>
+              <a:buAutoNum type="arabicPeriod"/>
+            </a:pPr>
+            <a:r>
+              <a:rPr lang="en-US" sz="1400" dirty="0" smtClean="0">
+                <a:latin typeface="Franklin Gothic Book" pitchFamily="34" charset="0"/>
+              </a:rPr>
+              <a:t>An </a:t>
+            </a:r>
+            <a:r>
+              <a:rPr lang="en-US" sz="1400" dirty="0" err="1" smtClean="0">
+                <a:latin typeface="Franklin Gothic Book" pitchFamily="34" charset="0"/>
+              </a:rPr>
+              <a:t>ele</a:t>
+            </a:r>
+            <a:endParaRPr lang="en-US" sz="1400" dirty="0" smtClean="0">
+              <a:latin typeface="Franklin Gothic Book" pitchFamily="34" charset="0"/>
+            </a:endParaRPr>
+          </a:p>
+          <a:p>
+            <a:pPr marL="800100" lvl="1" indent="-342900">
+              <a:buFont typeface="+mj-lt"/>
+              <a:buAutoNum type="arabicPeriod"/>
+            </a:pPr>
+            <a:r>
+              <a:rPr lang="en-US" sz="1400" dirty="0" smtClean="0">
+                <a:latin typeface="Franklin Gothic Book" pitchFamily="34" charset="0"/>
+              </a:rPr>
+              <a:t>Keep assigning random positions until all constraints are satisfied</a:t>
+            </a:r>
+            <a:endParaRPr lang="en-US" sz="1400" dirty="0">
+              <a:latin typeface="Franklin Gothic Book" pitchFamily="34" charset="0"/>
+            </a:endParaRPr>
+          </a:p>
+          <a:p>
+            <a:pPr marL="285750" indent="-285750">
+              <a:buFont typeface="Arial" pitchFamily="34" charset="0"/>
+              <a:buChar char="•"/>
+            </a:pPr>
+            <a:endParaRPr lang="nl-BE" dirty="0" smtClean="0">
+              <a:latin typeface="Franklin Gothic Book" pitchFamily="34" charset="0"/>
+            </a:endParaRPr>
+          </a:p>
+          <a:p>
+            <a:r>
+              <a:rPr lang="nl-BE" sz="1600" b="1" dirty="0" err="1" smtClean="0">
+                <a:latin typeface="Franklin Gothic Book" pitchFamily="34" charset="0"/>
+              </a:rPr>
+              <a:t>Testing</a:t>
+            </a:r>
+            <a:r>
+              <a:rPr lang="nl-BE" sz="1600" b="1" dirty="0" smtClean="0">
+                <a:latin typeface="Franklin Gothic Book" pitchFamily="34" charset="0"/>
+              </a:rPr>
+              <a:t>:</a:t>
+            </a:r>
+            <a:endParaRPr lang="nl-BE" sz="1400" b="1" dirty="0" smtClean="0">
+              <a:latin typeface="Franklin Gothic Book" pitchFamily="34" charset="0"/>
+            </a:endParaRPr>
+          </a:p>
+          <a:p>
+            <a:pPr marL="285750" indent="-285750">
+              <a:buFont typeface="Arial" pitchFamily="34" charset="0"/>
+              <a:buChar char="•"/>
+            </a:pPr>
+            <a:r>
+              <a:rPr lang="nl-BE" sz="1400" dirty="0" smtClean="0">
+                <a:latin typeface="Franklin Gothic Book" pitchFamily="34" charset="0"/>
+              </a:rPr>
+              <a:t>User research</a:t>
             </a:r>
           </a:p>
           <a:p>
@@ -3778,29 +3876,20 @@
               <a:buChar char="•"/>
             </a:pPr>
             <a:r>
-              <a:rPr lang="en-US" sz="1400" dirty="0" err="1" smtClean="0">
-                <a:latin typeface="Franklin Gothic Book" pitchFamily="34" charset="0"/>
-              </a:rPr>
-              <a:t>Diadactical</a:t>
-            </a:r>
-            <a:r>
-              <a:rPr lang="en-US" sz="1400" dirty="0" smtClean="0">
-                <a:latin typeface="Franklin Gothic Book" pitchFamily="34" charset="0"/>
-              </a:rPr>
-              <a:t> tools for general math problems already exist (cfr. </a:t>
-            </a:r>
-            <a:r>
-              <a:rPr lang="en-US" sz="1400" dirty="0" err="1" smtClean="0">
-                <a:latin typeface="Franklin Gothic Book" pitchFamily="34" charset="0"/>
-              </a:rPr>
-              <a:t>SymboLab</a:t>
-            </a:r>
-            <a:r>
-              <a:rPr lang="en-US" sz="1400" dirty="0" smtClean="0">
-                <a:latin typeface="Franklin Gothic Book" pitchFamily="34" charset="0"/>
-              </a:rPr>
-              <a:t>, Wolfram Alpha) </a:t>
-            </a:r>
+              <a:rPr lang="nl-BE" sz="1400" dirty="0" smtClean="0">
+                <a:latin typeface="Franklin Gothic Book" pitchFamily="34" charset="0"/>
+              </a:rPr>
+              <a:t>Public </a:t>
+            </a:r>
+            <a:r>
+              <a:rPr lang="nl-BE" sz="1400" dirty="0" err="1" smtClean="0">
+                <a:latin typeface="Franklin Gothic Book" pitchFamily="34" charset="0"/>
+              </a:rPr>
+              <a:t>beta-version</a:t>
+            </a:r>
+            <a:endParaRPr lang="nl-BE" sz="1400" dirty="0" smtClean="0">
+              <a:latin typeface="Franklin Gothic Book" pitchFamily="34" charset="0"/>
+            </a:endParaRPr>
           </a:p>
           <a:p>
             <a:pPr marL="742950" lvl="1" indent="-285750">
@@ -3808,10 +3897,76 @@
               <a:buChar char="•"/>
             </a:pPr>
             <a:r>
-              <a:rPr lang="en-US" sz="1400" dirty="0" smtClean="0">
-                <a:latin typeface="Franklin Gothic Book" pitchFamily="34" charset="0"/>
-              </a:rPr>
-              <a:t>Specialized for just combinatorics</a:t>
+              <a:rPr lang="nl-BE" sz="1400" dirty="0" err="1" smtClean="0">
+                <a:latin typeface="Franklin Gothic Book" pitchFamily="34" charset="0"/>
+              </a:rPr>
+              <a:t>Stimulate</a:t>
+            </a:r>
+            <a:r>
+              <a:rPr lang="nl-BE" sz="1400" dirty="0" smtClean="0">
+                <a:latin typeface="Franklin Gothic Book" pitchFamily="34" charset="0"/>
+              </a:rPr>
+              <a:t> </a:t>
+            </a:r>
+            <a:r>
+              <a:rPr lang="nl-BE" sz="1400" dirty="0" err="1" smtClean="0">
+                <a:latin typeface="Franklin Gothic Book" pitchFamily="34" charset="0"/>
+              </a:rPr>
+              <a:t>potential</a:t>
+            </a:r>
+            <a:r>
+              <a:rPr lang="nl-BE" sz="1400" dirty="0" smtClean="0">
+                <a:latin typeface="Franklin Gothic Book" pitchFamily="34" charset="0"/>
+              </a:rPr>
+              <a:t> users </a:t>
+            </a:r>
+            <a:r>
+              <a:rPr lang="nl-BE" sz="1400" dirty="0" err="1" smtClean="0">
+                <a:latin typeface="Franklin Gothic Book" pitchFamily="34" charset="0"/>
+              </a:rPr>
+              <a:t>to</a:t>
+            </a:r>
+            <a:r>
+              <a:rPr lang="nl-BE" sz="1400" dirty="0" smtClean="0">
+                <a:latin typeface="Franklin Gothic Book" pitchFamily="34" charset="0"/>
+              </a:rPr>
+              <a:t> </a:t>
+            </a:r>
+            <a:r>
+              <a:rPr lang="nl-BE" sz="1400" dirty="0" err="1" smtClean="0">
+                <a:latin typeface="Franklin Gothic Book" pitchFamily="34" charset="0"/>
+              </a:rPr>
+              <a:t>try</a:t>
+            </a:r>
+            <a:r>
+              <a:rPr lang="nl-BE" sz="1400" dirty="0" smtClean="0">
+                <a:latin typeface="Franklin Gothic Book" pitchFamily="34" charset="0"/>
+              </a:rPr>
+              <a:t> out </a:t>
+            </a:r>
+            <a:r>
+              <a:rPr lang="nl-BE" sz="1400" dirty="0" err="1" smtClean="0">
+                <a:latin typeface="Franklin Gothic Book" pitchFamily="34" charset="0"/>
+              </a:rPr>
+              <a:t>and</a:t>
+            </a:r>
+            <a:r>
+              <a:rPr lang="nl-BE" sz="1400" dirty="0" smtClean="0">
+                <a:latin typeface="Franklin Gothic Book" pitchFamily="34" charset="0"/>
+              </a:rPr>
+              <a:t> </a:t>
+            </a:r>
+            <a:r>
+              <a:rPr lang="nl-BE" sz="1400" dirty="0" err="1" smtClean="0">
+                <a:latin typeface="Franklin Gothic Book" pitchFamily="34" charset="0"/>
+              </a:rPr>
+              <a:t>give</a:t>
+            </a:r>
+            <a:r>
+              <a:rPr lang="nl-BE" sz="1400" dirty="0" smtClean="0">
+                <a:latin typeface="Franklin Gothic Book" pitchFamily="34" charset="0"/>
+              </a:rPr>
+              <a:t> feedback</a:t>
             </a:r>
           </a:p>
           <a:p>
@@ -3820,62 +3975,28 @@
               <a:buChar char="•"/>
             </a:pPr>
             <a:r>
-              <a:rPr lang="en-US" sz="1400" dirty="0" smtClean="0">
-                <a:latin typeface="Franklin Gothic Book" pitchFamily="34" charset="0"/>
-              </a:rPr>
-              <a:t>Using new lifted reasoning combinatorics solver </a:t>
-            </a:r>
-            <a:r>
-              <a:rPr lang="en-US" sz="1400" dirty="0" err="1" smtClean="0">
-                <a:latin typeface="Franklin Gothic Book" pitchFamily="34" charset="0"/>
-              </a:rPr>
-              <a:t>CoSo</a:t>
-            </a:r>
-            <a:endParaRPr lang="en-US" sz="1400" dirty="0" smtClean="0">
-              <a:latin typeface="Franklin Gothic Book" pitchFamily="34" charset="0"/>
-            </a:endParaRPr>
-          </a:p>
-          <a:p>
-            <a:endParaRPr lang="nl-BE" dirty="0" smtClean="0">
-              <a:latin typeface="Franklin Gothic Book" pitchFamily="34" charset="0"/>
-            </a:endParaRPr>
-          </a:p>
-          <a:p>
-            <a:r>
-              <a:rPr lang="nl-BE" sz="1600" b="1" dirty="0" err="1" smtClean="0">
-                <a:latin typeface="Franklin Gothic Book" pitchFamily="34" charset="0"/>
-              </a:rPr>
-              <a:t>Testing</a:t>
-            </a:r>
-            <a:r>
-              <a:rPr lang="nl-BE" sz="1600" b="1" dirty="0" smtClean="0">
-                <a:latin typeface="Franklin Gothic Book" pitchFamily="34" charset="0"/>
-              </a:rPr>
-              <a:t>:</a:t>
-            </a:r>
-            <a:endParaRPr lang="nl-BE" sz="1400" b="1" dirty="0" smtClean="0">
-              <a:latin typeface="Franklin Gothic Book" pitchFamily="34" charset="0"/>
-            </a:endParaRPr>
-          </a:p>
-          <a:p>
-            <a:pPr marL="285750" indent="-285750">
-              <a:buFont typeface="Arial" pitchFamily="34" charset="0"/>
-              <a:buChar char="•"/>
-            </a:pPr>
-            <a:r>
               <a:rPr lang="nl-BE" sz="1400" dirty="0" smtClean="0">
                 <a:latin typeface="Franklin Gothic Book" pitchFamily="34" charset="0"/>
               </a:rPr>
-              <a:t>User research</a:t>
-            </a:r>
-          </a:p>
-          <a:p>
-            <a:pPr lvl="1"/>
+              <a:t>Iterations of updates </a:t>
+            </a:r>
+            <a:r>
+              <a:rPr lang="nl-BE" sz="1400" dirty="0" err="1" smtClean="0">
+                <a:latin typeface="Franklin Gothic Book" pitchFamily="34" charset="0"/>
+              </a:rPr>
+              <a:t>based</a:t>
+            </a:r>
             <a:r>
               <a:rPr lang="nl-BE" sz="1400" dirty="0" smtClean="0">
                 <a:latin typeface="Franklin Gothic Book" pitchFamily="34" charset="0"/>
               </a:rPr>
-              <a:t>As the goal is </a:t>
+              <a:t> on common issues / </a:t>
+            </a:r>
+            <a:r>
+              <a:rPr lang="nl-BE" sz="1400" dirty="0" err="1" smtClean="0">
+                <a:latin typeface="Franklin Gothic Book" pitchFamily="34" charset="0"/>
+              </a:rPr>
+              <a:t>ideas</a:t>
             </a:r>
             <a:endParaRPr lang="en-US" sz="1400" dirty="0" smtClean="0">
               <a:latin typeface="Franklin Gothic Book" pitchFamily="34" charset="0"/>

--- a/Poster/Tekst.pptx
+++ b/Poster/Tekst.pptx
@@ -3704,7 +3704,7 @@
         <p:spPr>
           <a:xfrm>
             <a:off x="6521624" y="2147366"/>
-            <a:ext cx="3384376" cy="6463308"/>
+            <a:ext cx="3384376" cy="7909858"/>
           </a:xfrm>
           <a:prstGeom prst="rect">
             <a:avLst/>
@@ -3757,8 +3757,29 @@
               <a:rPr lang="en-US" sz="1400" dirty="0" smtClean="0">
                 <a:latin typeface="Franklin Gothic Book" pitchFamily="34" charset="0"/>
               </a:rPr>
-              <a:t>Arranging the positions of inputted elements into corresponding domain structure</a:t>
-            </a:r>
+              <a:t>Arranging the positions of inputted elements into corresponding domain </a:t>
+            </a:r>
+            <a:r>
+              <a:rPr lang="en-US" sz="1400" dirty="0" smtClean="0">
+                <a:latin typeface="Franklin Gothic Book" pitchFamily="34" charset="0"/>
+              </a:rPr>
+              <a:t>sets</a:t>
+            </a:r>
+          </a:p>
+          <a:p>
+            <a:pPr marL="742950" lvl="1" indent="-285750">
+              <a:buFont typeface="Arial" pitchFamily="34" charset="0"/>
+              <a:buChar char="•"/>
+            </a:pPr>
+            <a:r>
+              <a:rPr lang="en-US" sz="1400" dirty="0" smtClean="0">
+                <a:latin typeface="Franklin Gothic Book" pitchFamily="34" charset="0"/>
+              </a:rPr>
+              <a:t>Element from intersection(A, B) is both in A and in B</a:t>
+            </a:r>
+            <a:endParaRPr lang="en-US" sz="1400" dirty="0" smtClean="0">
+              <a:latin typeface="Franklin Gothic Book" pitchFamily="34" charset="0"/>
+            </a:endParaRPr>
           </a:p>
           <a:p>
             <a:pPr marL="285750" indent="-285750">
@@ -3784,17 +3805,20 @@
               <a:rPr lang="en-US" sz="1400" dirty="0" smtClean="0">
                 <a:latin typeface="Franklin Gothic Book" pitchFamily="34" charset="0"/>
               </a:rPr>
-              <a:t>Every element is </a:t>
-            </a:r>
-            <a:r>
-              <a:rPr lang="en-US" sz="1400" smtClean="0">
-                <a:latin typeface="Franklin Gothic Book" pitchFamily="34" charset="0"/>
-              </a:rPr>
-              <a:t>associated with 1 </a:t>
-            </a:r>
-            <a:endParaRPr lang="en-US" sz="1400" dirty="0" smtClean="0">
-              <a:latin typeface="Franklin Gothic Book" pitchFamily="34" charset="0"/>
-            </a:endParaRPr>
+              <a:t>Generate Venn</a:t>
+            </a:r>
+            <a:r>
+              <a:rPr lang="en-US" sz="1400" dirty="0">
+                <a:latin typeface="Franklin Gothic Book" pitchFamily="34" charset="0"/>
+              </a:rPr>
+              <a:t> </a:t>
+            </a:r>
+            <a:r>
+              <a:rPr lang="en-US" sz="1400" dirty="0" smtClean="0">
+                <a:latin typeface="Franklin Gothic Book" pitchFamily="34" charset="0"/>
+              </a:rPr>
+              <a:t>diagrams</a:t>
+            </a:r>
           </a:p>
           <a:p>
             <a:pPr marL="800100" lvl="1" indent="-342900">
@@ -3802,20 +3826,17 @@
               <a:buAutoNum type="arabicPeriod"/>
             </a:pPr>
             <a:r>
+              <a:rPr lang="en-US" sz="1400" dirty="0">
+                <a:latin typeface="Franklin Gothic Book" pitchFamily="34" charset="0"/>
+              </a:rPr>
+              <a:t>Approximate element </a:t>
+            </a:r>
+            <a:r>
               <a:rPr lang="en-US" sz="1400" dirty="0" smtClean="0">
                 <a:latin typeface="Franklin Gothic Book" pitchFamily="34" charset="0"/>
               </a:rPr>
-              <a:t>An </a:t>
-            </a:r>
-            <a:r>
-              <a:rPr lang="en-US" sz="1400" dirty="0" err="1" smtClean="0">
-                <a:latin typeface="Franklin Gothic Book" pitchFamily="34" charset="0"/>
-              </a:rPr>
-              <a:t>ele</a:t>
-            </a:r>
-            <a:endParaRPr lang="en-US" sz="1400" dirty="0" smtClean="0">
-              <a:latin typeface="Franklin Gothic Book" pitchFamily="34" charset="0"/>
-            </a:endParaRPr>
+              <a:t>position with a rectangle around corresponding set circle</a:t>
+            </a:r>
           </a:p>
           <a:p>
             <a:pPr marL="800100" lvl="1" indent="-342900">
@@ -3823,20 +3844,50 @@
               <a:buAutoNum type="arabicPeriod"/>
             </a:pPr>
             <a:r>
+              <a:rPr lang="en-US" sz="1400" dirty="0">
+                <a:latin typeface="Franklin Gothic Book" pitchFamily="34" charset="0"/>
+              </a:rPr>
+              <a:t>Constraints: all elements </a:t>
+            </a:r>
+            <a:r>
               <a:rPr lang="en-US" sz="1400" dirty="0" smtClean="0">
                 <a:latin typeface="Franklin Gothic Book" pitchFamily="34" charset="0"/>
               </a:rPr>
-              <a:t>Keep assigning random positions until all constraints are satisfied</a:t>
-            </a:r>
-            <a:endParaRPr lang="en-US" sz="1400" dirty="0">
+              <a:t>inside range of their respective set(s</a:t>
+            </a:r>
+            <a:r>
+              <a:rPr lang="en-US" sz="1400" dirty="0">
+                <a:latin typeface="Franklin Gothic Book" pitchFamily="34" charset="0"/>
+              </a:rPr>
+              <a:t>) and outside all </a:t>
+            </a:r>
+            <a:r>
+              <a:rPr lang="en-US" sz="1400" dirty="0" smtClean="0">
+                <a:latin typeface="Franklin Gothic Book" pitchFamily="34" charset="0"/>
+              </a:rPr>
+              <a:t>others. Elements do not overlap</a:t>
+            </a:r>
+            <a:endParaRPr lang="en-US" sz="1400" dirty="0" smtClean="0">
               <a:latin typeface="Franklin Gothic Book" pitchFamily="34" charset="0"/>
             </a:endParaRPr>
           </a:p>
           <a:p>
-            <a:pPr marL="285750" indent="-285750">
-              <a:buFont typeface="Arial" pitchFamily="34" charset="0"/>
-              <a:buChar char="•"/>
+            <a:pPr marL="800100" lvl="1" indent="-342900">
+              <a:buFont typeface="+mj-lt"/>
+              <a:buAutoNum type="arabicPeriod"/>
             </a:pPr>
+            <a:r>
+              <a:rPr lang="en-US" sz="1400" dirty="0" smtClean="0">
+                <a:latin typeface="Franklin Gothic Book" pitchFamily="34" charset="0"/>
+              </a:rPr>
+              <a:t>Keep assigning </a:t>
+            </a:r>
+            <a:r>
+              <a:rPr lang="en-US" sz="1400" dirty="0" smtClean="0">
+                <a:latin typeface="Franklin Gothic Book" pitchFamily="34" charset="0"/>
+              </a:rPr>
+              <a:t>random positions until constraints are met</a:t>
+            </a:r>
             <a:endParaRPr lang="nl-BE" dirty="0" smtClean="0">
               <a:latin typeface="Franklin Gothic Book" pitchFamily="34" charset="0"/>
             </a:endParaRPr>

--- a/Poster/Tekst.pptx
+++ b/Poster/Tekst.pptx
@@ -3757,13 +3757,7 @@
               <a:rPr lang="en-US" sz="1400" dirty="0" smtClean="0">
                 <a:latin typeface="Franklin Gothic Book" pitchFamily="34" charset="0"/>
               </a:rPr>
-              <a:t>Arranging the positions of inputted elements into corresponding domain </a:t>
-            </a:r>
-            <a:r>
-              <a:rPr lang="en-US" sz="1400" dirty="0" smtClean="0">
-                <a:latin typeface="Franklin Gothic Book" pitchFamily="34" charset="0"/>
-              </a:rPr>
-              <a:t>sets</a:t>
+              <a:t>Arranging the positions of inputted elements into corresponding domain sets</a:t>
             </a:r>
           </a:p>
           <a:p>
@@ -3777,9 +3771,6 @@
               </a:rPr>
               <a:t>Element from intersection(A, B) is both in A and in B</a:t>
             </a:r>
-            <a:endParaRPr lang="en-US" sz="1400" dirty="0" smtClean="0">
-              <a:latin typeface="Franklin Gothic Book" pitchFamily="34" charset="0"/>
-            </a:endParaRPr>
           </a:p>
           <a:p>
             <a:pPr marL="285750" indent="-285750">
@@ -3867,9 +3858,6 @@
               </a:rPr>
               <a:t>others. Elements do not overlap</a:t>
             </a:r>
-            <a:endParaRPr lang="en-US" sz="1400" dirty="0" smtClean="0">
-              <a:latin typeface="Franklin Gothic Book" pitchFamily="34" charset="0"/>
-            </a:endParaRPr>
           </a:p>
           <a:p>
             <a:pPr marL="800100" lvl="1" indent="-342900">
@@ -3880,13 +3868,7 @@
               <a:rPr lang="en-US" sz="1400" dirty="0" smtClean="0">
                 <a:latin typeface="Franklin Gothic Book" pitchFamily="34" charset="0"/>
               </a:rPr>
-              <a:t>Keep assigning </a:t>
-            </a:r>
-            <a:r>
-              <a:rPr lang="en-US" sz="1400" dirty="0" smtClean="0">
-                <a:latin typeface="Franklin Gothic Book" pitchFamily="34" charset="0"/>
-              </a:rPr>
-              <a:t>random positions until constraints are met</a:t>
+              <a:t>Keep assigning random positions until constraints are met</a:t>
             </a:r>
             <a:endParaRPr lang="nl-BE" dirty="0" smtClean="0">
               <a:latin typeface="Franklin Gothic Book" pitchFamily="34" charset="0"/>
